--- a/usecase-diagram.pptx
+++ b/usecase-diagram.pptx
@@ -247,7 +247,7 @@
           <a:p>
             <a:fld id="{B0B8A228-F649-4AB0-8603-8A23B84735FA}" type="datetimeFigureOut">
               <a:rPr lang="en-US" smtClean="0"/>
-              <a:t>8/26/2023</a:t>
+              <a:t>10/21/2023</a:t>
             </a:fld>
             <a:endParaRPr lang="en-US"/>
           </a:p>
@@ -417,7 +417,7 @@
           <a:p>
             <a:fld id="{B0B8A228-F649-4AB0-8603-8A23B84735FA}" type="datetimeFigureOut">
               <a:rPr lang="en-US" smtClean="0"/>
-              <a:t>8/26/2023</a:t>
+              <a:t>10/21/2023</a:t>
             </a:fld>
             <a:endParaRPr lang="en-US"/>
           </a:p>
@@ -597,7 +597,7 @@
           <a:p>
             <a:fld id="{B0B8A228-F649-4AB0-8603-8A23B84735FA}" type="datetimeFigureOut">
               <a:rPr lang="en-US" smtClean="0"/>
-              <a:t>8/26/2023</a:t>
+              <a:t>10/21/2023</a:t>
             </a:fld>
             <a:endParaRPr lang="en-US"/>
           </a:p>
@@ -767,7 +767,7 @@
           <a:p>
             <a:fld id="{B0B8A228-F649-4AB0-8603-8A23B84735FA}" type="datetimeFigureOut">
               <a:rPr lang="en-US" smtClean="0"/>
-              <a:t>8/26/2023</a:t>
+              <a:t>10/21/2023</a:t>
             </a:fld>
             <a:endParaRPr lang="en-US"/>
           </a:p>
@@ -1013,7 +1013,7 @@
           <a:p>
             <a:fld id="{B0B8A228-F649-4AB0-8603-8A23B84735FA}" type="datetimeFigureOut">
               <a:rPr lang="en-US" smtClean="0"/>
-              <a:t>8/26/2023</a:t>
+              <a:t>10/21/2023</a:t>
             </a:fld>
             <a:endParaRPr lang="en-US"/>
           </a:p>
@@ -1245,7 +1245,7 @@
           <a:p>
             <a:fld id="{B0B8A228-F649-4AB0-8603-8A23B84735FA}" type="datetimeFigureOut">
               <a:rPr lang="en-US" smtClean="0"/>
-              <a:t>8/26/2023</a:t>
+              <a:t>10/21/2023</a:t>
             </a:fld>
             <a:endParaRPr lang="en-US"/>
           </a:p>
@@ -1612,7 +1612,7 @@
           <a:p>
             <a:fld id="{B0B8A228-F649-4AB0-8603-8A23B84735FA}" type="datetimeFigureOut">
               <a:rPr lang="en-US" smtClean="0"/>
-              <a:t>8/26/2023</a:t>
+              <a:t>10/21/2023</a:t>
             </a:fld>
             <a:endParaRPr lang="en-US"/>
           </a:p>
@@ -1730,7 +1730,7 @@
           <a:p>
             <a:fld id="{B0B8A228-F649-4AB0-8603-8A23B84735FA}" type="datetimeFigureOut">
               <a:rPr lang="en-US" smtClean="0"/>
-              <a:t>8/26/2023</a:t>
+              <a:t>10/21/2023</a:t>
             </a:fld>
             <a:endParaRPr lang="en-US"/>
           </a:p>
@@ -1825,7 +1825,7 @@
           <a:p>
             <a:fld id="{B0B8A228-F649-4AB0-8603-8A23B84735FA}" type="datetimeFigureOut">
               <a:rPr lang="en-US" smtClean="0"/>
-              <a:t>8/26/2023</a:t>
+              <a:t>10/21/2023</a:t>
             </a:fld>
             <a:endParaRPr lang="en-US"/>
           </a:p>
@@ -2102,7 +2102,7 @@
           <a:p>
             <a:fld id="{B0B8A228-F649-4AB0-8603-8A23B84735FA}" type="datetimeFigureOut">
               <a:rPr lang="en-US" smtClean="0"/>
-              <a:t>8/26/2023</a:t>
+              <a:t>10/21/2023</a:t>
             </a:fld>
             <a:endParaRPr lang="en-US"/>
           </a:p>
@@ -2355,7 +2355,7 @@
           <a:p>
             <a:fld id="{B0B8A228-F649-4AB0-8603-8A23B84735FA}" type="datetimeFigureOut">
               <a:rPr lang="en-US" smtClean="0"/>
-              <a:t>8/26/2023</a:t>
+              <a:t>10/21/2023</a:t>
             </a:fld>
             <a:endParaRPr lang="en-US"/>
           </a:p>
@@ -2568,7 +2568,7 @@
           <a:p>
             <a:fld id="{B0B8A228-F649-4AB0-8603-8A23B84735FA}" type="datetimeFigureOut">
               <a:rPr lang="en-US" smtClean="0"/>
-              <a:t>8/26/2023</a:t>
+              <a:t>10/21/2023</a:t>
             </a:fld>
             <a:endParaRPr lang="en-US"/>
           </a:p>
@@ -3000,12 +3000,8 @@
               <a:t>Multi Vendor Ecommerce </a:t>
             </a:r>
             <a:r>
-              <a:rPr lang="en-US" dirty="0" err="1" smtClean="0"/>
-              <a:t>Proccess</a:t>
-            </a:r>
-            <a:r>
               <a:rPr lang="en-US" dirty="0" smtClean="0"/>
-              <a:t> </a:t>
+              <a:t>Process </a:t>
             </a:r>
             <a:endParaRPr lang="en-US" dirty="0" smtClean="0"/>
           </a:p>
@@ -3041,7 +3037,6 @@
               <a:rPr lang="en-US" dirty="0" smtClean="0"/>
               <a:t>Vendor will register on the website.</a:t>
             </a:r>
-            <a:endParaRPr lang="en-US" dirty="0" smtClean="0"/>
           </a:p>
         </p:txBody>
       </p:sp>
@@ -3075,7 +3070,6 @@
               <a:rPr lang="en-US" dirty="0" smtClean="0"/>
               <a:t>Admin Will Approve  Vendor Registration. </a:t>
             </a:r>
-            <a:endParaRPr lang="en-US" dirty="0" smtClean="0"/>
           </a:p>
         </p:txBody>
       </p:sp>
@@ -3109,7 +3103,6 @@
               <a:rPr lang="en-US" dirty="0" smtClean="0"/>
               <a:t>Vendor Will Add product to website.</a:t>
             </a:r>
-            <a:endParaRPr lang="en-US" dirty="0" smtClean="0"/>
           </a:p>
         </p:txBody>
       </p:sp>
@@ -3143,7 +3136,6 @@
               <a:rPr lang="en-US" dirty="0" smtClean="0"/>
               <a:t>Admin will approve products added by vendors.</a:t>
             </a:r>
-            <a:endParaRPr lang="en-US" dirty="0" smtClean="0"/>
           </a:p>
         </p:txBody>
       </p:sp>
@@ -3177,7 +3169,6 @@
               <a:rPr lang="en-US" dirty="0" smtClean="0"/>
               <a:t>Customer will register on the website.</a:t>
             </a:r>
-            <a:endParaRPr lang="en-US" dirty="0" smtClean="0"/>
           </a:p>
         </p:txBody>
       </p:sp>
@@ -3211,7 +3202,6 @@
               <a:rPr lang="en-US" dirty="0" smtClean="0"/>
               <a:t>Customer will place order on the website.</a:t>
             </a:r>
-            <a:endParaRPr lang="en-US" dirty="0" smtClean="0"/>
           </a:p>
         </p:txBody>
       </p:sp>
@@ -3245,7 +3235,6 @@
               <a:rPr lang="en-US" dirty="0" smtClean="0"/>
               <a:t>Admin will get the payment for the order and will transfer to the vendor after charging some %.</a:t>
             </a:r>
-            <a:endParaRPr lang="en-US" dirty="0" smtClean="0"/>
           </a:p>
         </p:txBody>
       </p:sp>
